--- a/Генератор логотипов.pptx
+++ b/Генератор логотипов.pptx
@@ -5,14 +5,18 @@
     <p:sldMasterId id="2147483672" r:id="rId1"/>
   </p:sldMasterIdLst>
   <p:notesMasterIdLst>
-    <p:notesMasterId r:id="rId7"/>
+    <p:notesMasterId r:id="rId11"/>
   </p:notesMasterIdLst>
   <p:sldIdLst>
     <p:sldId id="256" r:id="rId2"/>
     <p:sldId id="257" r:id="rId3"/>
-    <p:sldId id="258" r:id="rId4"/>
-    <p:sldId id="259" r:id="rId5"/>
-    <p:sldId id="260" r:id="rId6"/>
+    <p:sldId id="261" r:id="rId4"/>
+    <p:sldId id="258" r:id="rId5"/>
+    <p:sldId id="259" r:id="rId6"/>
+    <p:sldId id="260" r:id="rId7"/>
+    <p:sldId id="262" r:id="rId8"/>
+    <p:sldId id="263" r:id="rId9"/>
+    <p:sldId id="264" r:id="rId10"/>
   </p:sldIdLst>
   <p:sldSz cx="9144000" cy="6858000" type="screen4x3"/>
   <p:notesSz cx="6858000" cy="9144000"/>
@@ -196,7 +200,7 @@
           <a:p>
             <a:fld id="{96607816-D28B-4037-B0F6-16ED5358469B}" type="datetimeFigureOut">
               <a:rPr lang="ru-RU" smtClean="0"/>
-              <a:t>02.11.2022</a:t>
+              <a:t>11.11.2022</a:t>
             </a:fld>
             <a:endParaRPr lang="ru-RU"/>
           </a:p>
@@ -570,7 +574,7 @@
           <p:cNvPr id="8" name="Рисунок 7">
             <a:extLst>
               <a:ext uri="{FF2B5EF4-FFF2-40B4-BE49-F238E27FC236}">
-                <a16:creationId xmlns="" xmlns:a16="http://schemas.microsoft.com/office/drawing/2014/main" id="{8F7937B7-218A-402A-A7C8-7EE2712BE7FC}"/>
+                <a16:creationId xmlns:a16="http://schemas.microsoft.com/office/drawing/2014/main" xmlns="" id="{8F7937B7-218A-402A-A7C8-7EE2712BE7FC}"/>
               </a:ext>
             </a:extLst>
           </p:cNvPr>
@@ -715,7 +719,7 @@
           <a:p>
             <a:fld id="{EC5DA480-60BF-43AB-BFB4-BD6AE4769AFC}" type="datetimeFigureOut">
               <a:rPr lang="ru-RU" smtClean="0"/>
-              <a:t>02.11.2022</a:t>
+              <a:t>11.11.2022</a:t>
             </a:fld>
             <a:endParaRPr lang="ru-RU"/>
           </a:p>
@@ -885,7 +889,7 @@
           <a:p>
             <a:fld id="{EC5DA480-60BF-43AB-BFB4-BD6AE4769AFC}" type="datetimeFigureOut">
               <a:rPr lang="ru-RU" smtClean="0"/>
-              <a:t>02.11.2022</a:t>
+              <a:t>11.11.2022</a:t>
             </a:fld>
             <a:endParaRPr lang="ru-RU"/>
           </a:p>
@@ -1065,7 +1069,7 @@
           <a:p>
             <a:fld id="{EC5DA480-60BF-43AB-BFB4-BD6AE4769AFC}" type="datetimeFigureOut">
               <a:rPr lang="ru-RU" smtClean="0"/>
-              <a:t>02.11.2022</a:t>
+              <a:t>11.11.2022</a:t>
             </a:fld>
             <a:endParaRPr lang="ru-RU"/>
           </a:p>
@@ -1235,7 +1239,7 @@
           <a:p>
             <a:fld id="{EC5DA480-60BF-43AB-BFB4-BD6AE4769AFC}" type="datetimeFigureOut">
               <a:rPr lang="ru-RU" smtClean="0"/>
-              <a:t>02.11.2022</a:t>
+              <a:t>11.11.2022</a:t>
             </a:fld>
             <a:endParaRPr lang="ru-RU"/>
           </a:p>
@@ -1479,7 +1483,7 @@
           <a:p>
             <a:fld id="{EC5DA480-60BF-43AB-BFB4-BD6AE4769AFC}" type="datetimeFigureOut">
               <a:rPr lang="ru-RU" smtClean="0"/>
-              <a:t>02.11.2022</a:t>
+              <a:t>11.11.2022</a:t>
             </a:fld>
             <a:endParaRPr lang="ru-RU"/>
           </a:p>
@@ -1711,7 +1715,7 @@
           <a:p>
             <a:fld id="{EC5DA480-60BF-43AB-BFB4-BD6AE4769AFC}" type="datetimeFigureOut">
               <a:rPr lang="ru-RU" smtClean="0"/>
-              <a:t>02.11.2022</a:t>
+              <a:t>11.11.2022</a:t>
             </a:fld>
             <a:endParaRPr lang="ru-RU"/>
           </a:p>
@@ -2078,7 +2082,7 @@
           <a:p>
             <a:fld id="{EC5DA480-60BF-43AB-BFB4-BD6AE4769AFC}" type="datetimeFigureOut">
               <a:rPr lang="ru-RU" smtClean="0"/>
-              <a:t>02.11.2022</a:t>
+              <a:t>11.11.2022</a:t>
             </a:fld>
             <a:endParaRPr lang="ru-RU"/>
           </a:p>
@@ -2196,7 +2200,7 @@
           <a:p>
             <a:fld id="{EC5DA480-60BF-43AB-BFB4-BD6AE4769AFC}" type="datetimeFigureOut">
               <a:rPr lang="ru-RU" smtClean="0"/>
-              <a:t>02.11.2022</a:t>
+              <a:t>11.11.2022</a:t>
             </a:fld>
             <a:endParaRPr lang="ru-RU"/>
           </a:p>
@@ -2291,7 +2295,7 @@
           <a:p>
             <a:fld id="{EC5DA480-60BF-43AB-BFB4-BD6AE4769AFC}" type="datetimeFigureOut">
               <a:rPr lang="ru-RU" smtClean="0"/>
-              <a:t>02.11.2022</a:t>
+              <a:t>11.11.2022</a:t>
             </a:fld>
             <a:endParaRPr lang="ru-RU"/>
           </a:p>
@@ -2568,7 +2572,7 @@
           <a:p>
             <a:fld id="{EC5DA480-60BF-43AB-BFB4-BD6AE4769AFC}" type="datetimeFigureOut">
               <a:rPr lang="ru-RU" smtClean="0"/>
-              <a:t>02.11.2022</a:t>
+              <a:t>11.11.2022</a:t>
             </a:fld>
             <a:endParaRPr lang="ru-RU"/>
           </a:p>
@@ -2825,7 +2829,7 @@
           <a:p>
             <a:fld id="{EC5DA480-60BF-43AB-BFB4-BD6AE4769AFC}" type="datetimeFigureOut">
               <a:rPr lang="ru-RU" smtClean="0"/>
-              <a:t>02.11.2022</a:t>
+              <a:t>11.11.2022</a:t>
             </a:fld>
             <a:endParaRPr lang="ru-RU"/>
           </a:p>
@@ -2913,7 +2917,7 @@
           <p:cNvPr id="8" name="Рисунок 7">
             <a:extLst>
               <a:ext uri="{FF2B5EF4-FFF2-40B4-BE49-F238E27FC236}">
-                <a16:creationId xmlns="" xmlns:a16="http://schemas.microsoft.com/office/drawing/2014/main" id="{845091D5-F087-4D54-AC73-D3FAF08B0226}"/>
+                <a16:creationId xmlns:a16="http://schemas.microsoft.com/office/drawing/2014/main" xmlns="" id="{845091D5-F087-4D54-AC73-D3FAF08B0226}"/>
               </a:ext>
             </a:extLst>
           </p:cNvPr>
@@ -3074,7 +3078,7 @@
           <a:p>
             <a:fld id="{EC5DA480-60BF-43AB-BFB4-BD6AE4769AFC}" type="datetimeFigureOut">
               <a:rPr lang="ru-RU" smtClean="0"/>
-              <a:t>02.11.2022</a:t>
+              <a:t>11.11.2022</a:t>
             </a:fld>
             <a:endParaRPr lang="ru-RU"/>
           </a:p>
@@ -3497,10 +3501,14 @@
           <a:lstStyle/>
           <a:p>
             <a:r>
-              <a:rPr lang="ru-RU" sz="5500" dirty="0" smtClean="0"/>
+              <a:rPr lang="ru-RU" sz="5000" dirty="0" smtClean="0">
+                <a:latin typeface="Muller ExtraBold" pitchFamily="2" charset="-52"/>
+              </a:rPr>
               <a:t>Генератор логотипов</a:t>
             </a:r>
-            <a:endParaRPr lang="ru-RU" sz="5500" dirty="0"/>
+            <a:endParaRPr lang="ru-RU" sz="5000" dirty="0">
+              <a:latin typeface="Muller ExtraBold" pitchFamily="2" charset="-52"/>
+            </a:endParaRPr>
           </a:p>
         </p:txBody>
       </p:sp>
@@ -3539,6 +3547,13 @@
   <p:clrMapOvr>
     <a:masterClrMapping/>
   </p:clrMapOvr>
+  <p:timing>
+    <p:tnLst>
+      <p:par>
+        <p:cTn id="1" dur="indefinite" restart="never" nodeType="tmRoot"/>
+      </p:par>
+    </p:tnLst>
+  </p:timing>
 </p:sld>
 </file>
 
@@ -3571,7 +3586,7 @@
         </p:nvSpPr>
         <p:spPr>
           <a:xfrm>
-            <a:off x="611560" y="476672"/>
+            <a:off x="611560" y="1484784"/>
             <a:ext cx="7886700" cy="1325563"/>
           </a:xfrm>
         </p:spPr>
@@ -3580,10 +3595,14 @@
           <a:lstStyle/>
           <a:p>
             <a:r>
-              <a:rPr lang="ru-RU" dirty="0" smtClean="0"/>
+              <a:rPr lang="ru-RU" dirty="0" smtClean="0">
+                <a:latin typeface="Muller ExtraBold" pitchFamily="2" charset="-52"/>
+              </a:rPr>
               <a:t>Описание идеи</a:t>
             </a:r>
-            <a:endParaRPr lang="ru-RU" dirty="0"/>
+            <a:endParaRPr lang="ru-RU" dirty="0">
+              <a:latin typeface="Muller ExtraBold" pitchFamily="2" charset="-52"/>
+            </a:endParaRPr>
           </a:p>
         </p:txBody>
       </p:sp>
@@ -3597,7 +3616,12 @@
             <p:ph idx="1"/>
           </p:nvPr>
         </p:nvSpPr>
-        <p:spPr/>
+        <p:spPr>
+          <a:xfrm>
+            <a:off x="611560" y="2708920"/>
+            <a:ext cx="7886700" cy="4351338"/>
+          </a:xfrm>
+        </p:spPr>
         <p:txBody>
           <a:bodyPr>
             <a:normAutofit/>
@@ -3608,23 +3632,24 @@
               <a:buNone/>
             </a:pPr>
             <a:r>
-              <a:rPr lang="ru-RU" sz="2000" dirty="0"/>
-              <a:t>Пользователь вводит информацию о своем бренде: название, сферу деятельности, описание бренда и основные цвета. На основе этой информации генерируются различные логотипы, которые пользователь сможет добавить в «Избранное» и оттуда получить изображение в формате </a:t>
-            </a:r>
-            <a:r>
-              <a:rPr lang="en-US" sz="2000" dirty="0" err="1"/>
-              <a:t>png</a:t>
-            </a:r>
-            <a:r>
-              <a:rPr lang="ru-RU" sz="2000" dirty="0"/>
+              <a:rPr lang="ru-RU" sz="2300" dirty="0"/>
+              <a:t>Пользователь вводит информацию о своем бренде: название, сферу деятельности, описание бренда и основные цвета. На основе этой информации генерируются различные </a:t>
+            </a:r>
+            <a:r>
+              <a:rPr lang="ru-RU" sz="2300" dirty="0" smtClean="0"/>
+              <a:t>логотипы</a:t>
+            </a:r>
+            <a:r>
+              <a:rPr lang="en-US" sz="2300" dirty="0" smtClean="0"/>
               <a:t>.</a:t>
             </a:r>
+            <a:endParaRPr lang="ru-RU" sz="2300" dirty="0"/>
           </a:p>
           <a:p>
             <a:pPr marL="0" indent="0">
               <a:buNone/>
             </a:pPr>
-            <a:endParaRPr lang="ru-RU" sz="2000" dirty="0"/>
+            <a:endParaRPr lang="ru-RU" sz="2300" dirty="0"/>
           </a:p>
         </p:txBody>
       </p:sp>
@@ -3638,6 +3663,16 @@
   <p:clrMapOvr>
     <a:masterClrMapping/>
   </p:clrMapOvr>
+  <p:transition spd="slow">
+    <p:wipe/>
+  </p:transition>
+  <p:timing>
+    <p:tnLst>
+      <p:par>
+        <p:cTn id="1" dur="indefinite" restart="never" nodeType="tmRoot"/>
+      </p:par>
+    </p:tnLst>
+  </p:timing>
 </p:sld>
 </file>
 
@@ -3668,22 +3703,199 @@
             <p:ph type="title"/>
           </p:nvPr>
         </p:nvSpPr>
-        <p:spPr/>
-        <p:txBody>
-          <a:bodyPr/>
-          <a:lstStyle/>
-          <a:p>
+        <p:spPr>
+          <a:xfrm>
+            <a:off x="611560" y="1340768"/>
+            <a:ext cx="7886700" cy="1325563"/>
+          </a:xfrm>
+        </p:spPr>
+        <p:txBody>
+          <a:bodyPr/>
+          <a:lstStyle/>
+          <a:p>
+            <a:r>
+              <a:rPr lang="ru-RU" dirty="0" smtClean="0">
+                <a:latin typeface="Muller ExtraBold" pitchFamily="2" charset="-52"/>
+              </a:rPr>
+              <a:t>Реализация</a:t>
+            </a:r>
+            <a:endParaRPr lang="ru-RU" dirty="0">
+              <a:latin typeface="Muller ExtraBold" pitchFamily="2" charset="-52"/>
+            </a:endParaRPr>
+          </a:p>
+        </p:txBody>
+      </p:sp>
+      <p:sp>
+        <p:nvSpPr>
+          <p:cNvPr id="3" name="Объект 2"/>
+          <p:cNvSpPr>
+            <a:spLocks noGrp="1"/>
+          </p:cNvSpPr>
+          <p:nvPr>
+            <p:ph idx="1"/>
+          </p:nvPr>
+        </p:nvSpPr>
+        <p:spPr>
+          <a:xfrm>
+            <a:off x="611560" y="2708920"/>
+            <a:ext cx="7886700" cy="4351338"/>
+          </a:xfrm>
+        </p:spPr>
+        <p:txBody>
+          <a:bodyPr/>
+          <a:lstStyle/>
+          <a:p>
+            <a:pPr marL="0" indent="0">
+              <a:buNone/>
+            </a:pPr>
             <a:r>
               <a:rPr lang="ru-RU" dirty="0" smtClean="0"/>
+              <a:t>Для реализации данного проекта я использовала библиотеки: </a:t>
+            </a:r>
+            <a:r>
+              <a:rPr lang="en-US" b="1" i="1" dirty="0" smtClean="0"/>
+              <a:t>PyQt5, PIL</a:t>
+            </a:r>
+            <a:r>
+              <a:rPr lang="en-US" b="1" i="1" dirty="0"/>
+              <a:t>, random, sqlite3</a:t>
+            </a:r>
+            <a:endParaRPr lang="ru-RU" b="1" i="1" dirty="0"/>
+          </a:p>
+        </p:txBody>
+      </p:sp>
+    </p:spTree>
+    <p:extLst>
+      <p:ext uri="{BB962C8B-B14F-4D97-AF65-F5344CB8AC3E}">
+        <p14:creationId xmlns:p14="http://schemas.microsoft.com/office/powerpoint/2010/main" val="1943218773"/>
+      </p:ext>
+    </p:extLst>
+  </p:cSld>
+  <p:clrMapOvr>
+    <a:masterClrMapping/>
+  </p:clrMapOvr>
+  <p:transition spd="slow">
+    <p:wipe/>
+  </p:transition>
+  <p:timing>
+    <p:tnLst>
+      <p:par>
+        <p:cTn id="1" dur="indefinite" restart="never" nodeType="tmRoot"/>
+      </p:par>
+    </p:tnLst>
+  </p:timing>
+</p:sld>
+</file>
+
+<file path=ppt/slides/slide4.xml><?xml version="1.0" encoding="utf-8"?>
+<p:sld xmlns:a="http://schemas.openxmlformats.org/drawingml/2006/main" xmlns:r="http://schemas.openxmlformats.org/officeDocument/2006/relationships" xmlns:p="http://schemas.openxmlformats.org/presentationml/2006/main">
+  <p:cSld>
+    <p:spTree>
+      <p:nvGrpSpPr>
+        <p:cNvPr id="1" name=""/>
+        <p:cNvGrpSpPr/>
+        <p:nvPr/>
+      </p:nvGrpSpPr>
+      <p:grpSpPr>
+        <a:xfrm>
+          <a:off x="0" y="0"/>
+          <a:ext cx="0" cy="0"/>
+          <a:chOff x="0" y="0"/>
+          <a:chExt cx="0" cy="0"/>
+        </a:xfrm>
+      </p:grpSpPr>
+      <p:sp>
+        <p:nvSpPr>
+          <p:cNvPr id="2" name="Заголовок 1"/>
+          <p:cNvSpPr>
+            <a:spLocks noGrp="1"/>
+          </p:cNvSpPr>
+          <p:nvPr>
+            <p:ph type="title"/>
+          </p:nvPr>
+        </p:nvSpPr>
+        <p:spPr>
+          <a:xfrm>
+            <a:off x="611560" y="548680"/>
+            <a:ext cx="7886700" cy="1325563"/>
+          </a:xfrm>
+        </p:spPr>
+        <p:txBody>
+          <a:bodyPr/>
+          <a:lstStyle/>
+          <a:p>
+            <a:r>
+              <a:rPr lang="ru-RU" dirty="0">
+                <a:latin typeface="Muller ExtraBold" pitchFamily="2" charset="-52"/>
+              </a:rPr>
               <a:t>Реализация</a:t>
             </a:r>
             <a:endParaRPr lang="ru-RU" dirty="0"/>
+          </a:p>
+        </p:txBody>
+      </p:sp>
+      <p:sp>
+        <p:nvSpPr>
+          <p:cNvPr id="4" name="Объект 3"/>
+          <p:cNvSpPr>
+            <a:spLocks noGrp="1"/>
+          </p:cNvSpPr>
+          <p:nvPr>
+            <p:ph sz="half" idx="2"/>
+          </p:nvPr>
+        </p:nvSpPr>
+        <p:spPr>
+          <a:xfrm>
+            <a:off x="683568" y="1628800"/>
+            <a:ext cx="7848872" cy="2232248"/>
+          </a:xfrm>
+        </p:spPr>
+        <p:txBody>
+          <a:bodyPr>
+            <a:normAutofit/>
+          </a:bodyPr>
+          <a:lstStyle/>
+          <a:p>
+            <a:pPr marL="0" indent="0">
+              <a:buNone/>
+            </a:pPr>
+            <a:r>
+              <a:rPr lang="ru-RU" sz="2000" dirty="0" smtClean="0"/>
+              <a:t>Класс </a:t>
+            </a:r>
+            <a:r>
+              <a:rPr lang="en-US" sz="2000" b="1" dirty="0" err="1" smtClean="0"/>
+              <a:t>MainPage</a:t>
+            </a:r>
+            <a:r>
+              <a:rPr lang="en-US" sz="2000" dirty="0" smtClean="0"/>
+              <a:t>:</a:t>
+            </a:r>
+            <a:r>
+              <a:rPr lang="ru-RU" sz="2000" dirty="0" smtClean="0"/>
+              <a:t> первое окно</a:t>
+            </a:r>
+            <a:endParaRPr lang="ru-RU" sz="2000" dirty="0" smtClean="0"/>
+          </a:p>
+          <a:p>
+            <a:r>
+              <a:rPr lang="ru-RU" sz="2000" dirty="0" smtClean="0"/>
+              <a:t>Функция </a:t>
+            </a:r>
+            <a:r>
+              <a:rPr lang="en-US" sz="2000" b="1" dirty="0" err="1" smtClean="0"/>
+              <a:t>show_window</a:t>
+            </a:r>
+            <a:r>
+              <a:rPr lang="ru-RU" sz="2000" dirty="0" smtClean="0"/>
+              <a:t> отвечает за показ следующего окна при нажатии кнопки</a:t>
+            </a:r>
           </a:p>
         </p:txBody>
       </p:sp>
       <p:pic>
         <p:nvPicPr>
-          <p:cNvPr id="1026" name="Picture 2"/>
+          <p:cNvPr id="5" name="Picture 2"/>
           <p:cNvPicPr>
             <a:picLocks noGrp="1" noChangeAspect="1" noChangeArrowheads="1"/>
           </p:cNvPicPr>
@@ -3699,14 +3911,15 @@
               </a:ext>
             </a:extLst>
           </a:blip>
+          <a:srcRect/>
           <a:stretch>
             <a:fillRect/>
           </a:stretch>
         </p:blipFill>
         <p:spPr bwMode="auto">
           <a:xfrm>
-            <a:off x="611560" y="2276872"/>
-            <a:ext cx="3886200" cy="2960671"/>
+            <a:off x="2411760" y="3501008"/>
+            <a:ext cx="4047306" cy="2917553"/>
           </a:xfrm>
           <a:prstGeom prst="rect">
             <a:avLst/>
@@ -3746,106 +3959,6 @@
           </a:extLst>
         </p:spPr>
       </p:pic>
-      <p:sp>
-        <p:nvSpPr>
-          <p:cNvPr id="4" name="Объект 3"/>
-          <p:cNvSpPr>
-            <a:spLocks noGrp="1"/>
-          </p:cNvSpPr>
-          <p:nvPr>
-            <p:ph sz="half" idx="2"/>
-          </p:nvPr>
-        </p:nvSpPr>
-        <p:spPr>
-          <a:xfrm>
-            <a:off x="4644008" y="1340768"/>
-            <a:ext cx="3886200" cy="4980211"/>
-          </a:xfrm>
-        </p:spPr>
-        <p:txBody>
-          <a:bodyPr>
-            <a:normAutofit/>
-          </a:bodyPr>
-          <a:lstStyle/>
-          <a:p>
-            <a:pPr marL="0" indent="0">
-              <a:buNone/>
-            </a:pPr>
-            <a:r>
-              <a:rPr lang="ru-RU" sz="2000" dirty="0" smtClean="0"/>
-              <a:t>Класс </a:t>
-            </a:r>
-            <a:r>
-              <a:rPr lang="en-US" sz="2000" dirty="0" err="1" smtClean="0"/>
-              <a:t>MainPage</a:t>
-            </a:r>
-            <a:r>
-              <a:rPr lang="en-US" sz="2000" dirty="0" smtClean="0"/>
-              <a:t>:</a:t>
-            </a:r>
-            <a:r>
-              <a:rPr lang="ru-RU" sz="2000" dirty="0" smtClean="0"/>
-              <a:t> главная страница ввода информации.</a:t>
-            </a:r>
-          </a:p>
-          <a:p>
-            <a:r>
-              <a:rPr lang="ru-RU" sz="2000" dirty="0" smtClean="0"/>
-              <a:t>Функция </a:t>
-            </a:r>
-            <a:r>
-              <a:rPr lang="en-US" sz="2000" dirty="0" err="1" smtClean="0"/>
-              <a:t>choose_color</a:t>
-            </a:r>
-            <a:r>
-              <a:rPr lang="ru-RU" sz="2000" dirty="0" smtClean="0"/>
-              <a:t> отвечает за появление окна с выбором цвета</a:t>
-            </a:r>
-          </a:p>
-          <a:p>
-            <a:r>
-              <a:rPr lang="ru-RU" sz="2000" dirty="0" smtClean="0"/>
-              <a:t>Функция </a:t>
-            </a:r>
-            <a:r>
-              <a:rPr lang="en-US" sz="2000" dirty="0" smtClean="0"/>
-              <a:t>errors </a:t>
-            </a:r>
-            <a:r>
-              <a:rPr lang="ru-RU" sz="2000" dirty="0" smtClean="0"/>
-              <a:t>отвечает за ввод информации без которой генерация логотипов невозможна</a:t>
-            </a:r>
-          </a:p>
-          <a:p>
-            <a:r>
-              <a:rPr lang="ru-RU" sz="2000" dirty="0" smtClean="0"/>
-              <a:t>Функция </a:t>
-            </a:r>
-            <a:r>
-              <a:rPr lang="en-US" sz="2000" dirty="0" err="1" smtClean="0"/>
-              <a:t>change_btntext_color</a:t>
-            </a:r>
-            <a:r>
-              <a:rPr lang="ru-RU" sz="2000" dirty="0" smtClean="0"/>
-              <a:t> отвечает за изменение цвета кнопки</a:t>
-            </a:r>
-          </a:p>
-          <a:p>
-            <a:r>
-              <a:rPr lang="ru-RU" sz="2000" dirty="0" smtClean="0"/>
-              <a:t>Функция </a:t>
-            </a:r>
-            <a:r>
-              <a:rPr lang="en-US" sz="2000" dirty="0" err="1" smtClean="0"/>
-              <a:t>show_window</a:t>
-            </a:r>
-            <a:r>
-              <a:rPr lang="ru-RU" sz="2000" dirty="0" smtClean="0"/>
-              <a:t> отвечает за показ следующего окна при нажатии кнопки</a:t>
-            </a:r>
-          </a:p>
-        </p:txBody>
-      </p:sp>
     </p:spTree>
     <p:extLst>
       <p:ext uri="{BB962C8B-B14F-4D97-AF65-F5344CB8AC3E}">
@@ -3856,10 +3969,20 @@
   <p:clrMapOvr>
     <a:masterClrMapping/>
   </p:clrMapOvr>
+  <p:transition spd="slow">
+    <p:wipe/>
+  </p:transition>
+  <p:timing>
+    <p:tnLst>
+      <p:par>
+        <p:cTn id="1" dur="indefinite" restart="never" nodeType="tmRoot"/>
+      </p:par>
+    </p:tnLst>
+  </p:timing>
 </p:sld>
 </file>
 
-<file path=ppt/slides/slide4.xml><?xml version="1.0" encoding="utf-8"?>
+<file path=ppt/slides/slide5.xml><?xml version="1.0" encoding="utf-8"?>
 <p:sld xmlns:a="http://schemas.openxmlformats.org/drawingml/2006/main" xmlns:r="http://schemas.openxmlformats.org/officeDocument/2006/relationships" xmlns:p="http://schemas.openxmlformats.org/presentationml/2006/main">
   <p:cSld>
     <p:spTree>
@@ -3886,13 +4009,20 @@
             <p:ph type="title"/>
           </p:nvPr>
         </p:nvSpPr>
-        <p:spPr/>
-        <p:txBody>
-          <a:bodyPr/>
-          <a:lstStyle/>
-          <a:p>
-            <a:r>
-              <a:rPr lang="ru-RU" dirty="0" smtClean="0"/>
+        <p:spPr>
+          <a:xfrm>
+            <a:off x="611560" y="548680"/>
+            <a:ext cx="7886700" cy="1325563"/>
+          </a:xfrm>
+        </p:spPr>
+        <p:txBody>
+          <a:bodyPr/>
+          <a:lstStyle/>
+          <a:p>
+            <a:r>
+              <a:rPr lang="ru-RU" dirty="0">
+                <a:latin typeface="Muller ExtraBold" pitchFamily="2" charset="-52"/>
+              </a:rPr>
               <a:t>Реализация</a:t>
             </a:r>
             <a:endParaRPr lang="ru-RU" dirty="0"/>
@@ -3909,7 +4039,12 @@
             <p:ph sz="half" idx="2"/>
           </p:nvPr>
         </p:nvSpPr>
-        <p:spPr/>
+        <p:spPr>
+          <a:xfrm>
+            <a:off x="4644008" y="1700808"/>
+            <a:ext cx="3886200" cy="4836195"/>
+          </a:xfrm>
+        </p:spPr>
         <p:txBody>
           <a:bodyPr>
             <a:normAutofit/>
@@ -3924,8 +4059,8 @@
               <a:t>Класс </a:t>
             </a:r>
             <a:r>
-              <a:rPr lang="en-US" sz="2000" dirty="0" err="1" smtClean="0"/>
-              <a:t>SecondPage</a:t>
+              <a:rPr lang="en-US" sz="2000" b="1" dirty="0" err="1"/>
+              <a:t>InformationPage</a:t>
             </a:r>
             <a:r>
               <a:rPr lang="en-US" sz="2000" dirty="0" smtClean="0"/>
@@ -3933,15 +4068,109 @@
             </a:r>
             <a:r>
               <a:rPr lang="ru-RU" sz="2000" dirty="0" smtClean="0"/>
-              <a:t>окно генерации логотипов</a:t>
-            </a:r>
+              <a:t>окно ввода информации</a:t>
+            </a:r>
+          </a:p>
+          <a:p>
+            <a:r>
+              <a:rPr lang="ru-RU" sz="2000" dirty="0" smtClean="0"/>
+              <a:t>Функция </a:t>
+            </a:r>
+            <a:r>
+              <a:rPr lang="en-US" sz="2000" b="1" dirty="0" err="1" smtClean="0"/>
+              <a:t>choose_color</a:t>
+            </a:r>
+            <a:r>
+              <a:rPr lang="ru-RU" sz="2000" dirty="0"/>
+              <a:t> </a:t>
+            </a:r>
+            <a:r>
+              <a:rPr lang="ru-RU" sz="2000" dirty="0" smtClean="0"/>
+              <a:t>отвечает</a:t>
+            </a:r>
+          </a:p>
+          <a:p>
+            <a:pPr marL="0" indent="0">
+              <a:buNone/>
+            </a:pPr>
+            <a:r>
+              <a:rPr lang="ru-RU" sz="2000" dirty="0"/>
+              <a:t>з</a:t>
+            </a:r>
+            <a:r>
+              <a:rPr lang="ru-RU" sz="2000" dirty="0" smtClean="0"/>
+              <a:t>а выбор цвета</a:t>
+            </a:r>
+          </a:p>
+          <a:p>
+            <a:r>
+              <a:rPr lang="ru-RU" sz="2000" dirty="0" smtClean="0"/>
+              <a:t>Функция </a:t>
+            </a:r>
+            <a:r>
+              <a:rPr lang="en-US" sz="2000" b="1" dirty="0" err="1" smtClean="0"/>
+              <a:t>check_information</a:t>
+            </a:r>
+            <a:r>
+              <a:rPr lang="ru-RU" sz="2000" dirty="0"/>
+              <a:t> </a:t>
+            </a:r>
+            <a:r>
+              <a:rPr lang="ru-RU" sz="2000" dirty="0" smtClean="0"/>
+              <a:t>отвечает за проверку введенной информации</a:t>
+            </a:r>
+          </a:p>
+          <a:p>
+            <a:r>
+              <a:rPr lang="ru-RU" sz="2000" dirty="0" smtClean="0"/>
+              <a:t>Функция </a:t>
+            </a:r>
+            <a:r>
+              <a:rPr lang="en-US" sz="2000" b="1" dirty="0" err="1" smtClean="0"/>
+              <a:t>add_to_bd</a:t>
+            </a:r>
+            <a:r>
+              <a:rPr lang="ru-RU" sz="2000" dirty="0" smtClean="0"/>
+              <a:t> добавляет информацию в базу данных</a:t>
+            </a:r>
+          </a:p>
+          <a:p>
+            <a:r>
+              <a:rPr lang="ru-RU" sz="2000" dirty="0"/>
+              <a:t>Функция </a:t>
+            </a:r>
+            <a:r>
+              <a:rPr lang="en-US" sz="2000" b="1" dirty="0" err="1"/>
+              <a:t>show_window</a:t>
+            </a:r>
+            <a:r>
+              <a:rPr lang="ru-RU" sz="2000" dirty="0"/>
+              <a:t> показывает следующее окно при нажатии кнопки</a:t>
+            </a:r>
+          </a:p>
+          <a:p>
+            <a:pPr marL="0" indent="0">
+              <a:buNone/>
+            </a:pPr>
+            <a:endParaRPr lang="ru-RU" sz="2000" dirty="0"/>
+          </a:p>
+          <a:p>
+            <a:pPr marL="0" indent="0">
+              <a:buNone/>
+            </a:pPr>
+            <a:endParaRPr lang="ru-RU" sz="2000" dirty="0" smtClean="0"/>
+          </a:p>
+          <a:p>
+            <a:pPr marL="0" indent="0">
+              <a:buNone/>
+            </a:pPr>
             <a:endParaRPr lang="ru-RU" sz="2000" dirty="0"/>
           </a:p>
         </p:txBody>
       </p:sp>
       <p:pic>
         <p:nvPicPr>
-          <p:cNvPr id="2050" name="Picture 2"/>
+          <p:cNvPr id="5" name="Picture 2"/>
           <p:cNvPicPr>
             <a:picLocks noGrp="1" noChangeAspect="1" noChangeArrowheads="1"/>
           </p:cNvPicPr>
@@ -3964,8 +4193,8 @@
         </p:blipFill>
         <p:spPr bwMode="auto">
           <a:xfrm>
-            <a:off x="683568" y="2420888"/>
-            <a:ext cx="3886200" cy="3147136"/>
+            <a:off x="539552" y="2492896"/>
+            <a:ext cx="3886200" cy="2818746"/>
           </a:xfrm>
           <a:prstGeom prst="rect">
             <a:avLst/>
@@ -4015,10 +4244,20 @@
   <p:clrMapOvr>
     <a:masterClrMapping/>
   </p:clrMapOvr>
+  <p:transition spd="slow">
+    <p:wipe/>
+  </p:transition>
+  <p:timing>
+    <p:tnLst>
+      <p:par>
+        <p:cTn id="1" dur="indefinite" restart="never" nodeType="tmRoot"/>
+      </p:par>
+    </p:tnLst>
+  </p:timing>
 </p:sld>
 </file>
 
-<file path=ppt/slides/slide5.xml><?xml version="1.0" encoding="utf-8"?>
+<file path=ppt/slides/slide6.xml><?xml version="1.0" encoding="utf-8"?>
 <p:sld xmlns:a="http://schemas.openxmlformats.org/drawingml/2006/main" xmlns:r="http://schemas.openxmlformats.org/officeDocument/2006/relationships" xmlns:p="http://schemas.openxmlformats.org/presentationml/2006/main">
   <p:cSld>
     <p:spTree>
@@ -4045,13 +4284,20 @@
             <p:ph type="title"/>
           </p:nvPr>
         </p:nvSpPr>
-        <p:spPr/>
-        <p:txBody>
-          <a:bodyPr/>
-          <a:lstStyle/>
-          <a:p>
-            <a:r>
-              <a:rPr lang="ru-RU" dirty="0" smtClean="0"/>
+        <p:spPr>
+          <a:xfrm>
+            <a:off x="611560" y="692696"/>
+            <a:ext cx="7886700" cy="1325563"/>
+          </a:xfrm>
+        </p:spPr>
+        <p:txBody>
+          <a:bodyPr/>
+          <a:lstStyle/>
+          <a:p>
+            <a:r>
+              <a:rPr lang="ru-RU" dirty="0">
+                <a:latin typeface="Muller ExtraBold" pitchFamily="2" charset="-52"/>
+              </a:rPr>
               <a:t>Реализация</a:t>
             </a:r>
             <a:endParaRPr lang="ru-RU" dirty="0"/>
@@ -4068,14 +4314,19 @@
             <p:ph sz="half" idx="2"/>
           </p:nvPr>
         </p:nvSpPr>
-        <p:spPr/>
+        <p:spPr>
+          <a:xfrm>
+            <a:off x="683568" y="2060848"/>
+            <a:ext cx="7774632" cy="4351338"/>
+          </a:xfrm>
+        </p:spPr>
         <p:txBody>
           <a:bodyPr>
             <a:normAutofit/>
           </a:bodyPr>
           <a:lstStyle/>
           <a:p>
-            <a:pPr marL="0" indent="0">
+            <a:pPr marL="0" indent="0" algn="just">
               <a:buNone/>
             </a:pPr>
             <a:r>
@@ -4083,28 +4334,276 @@
               <a:t>Класс </a:t>
             </a:r>
             <a:r>
-              <a:rPr lang="en-US" sz="2000" dirty="0" err="1" smtClean="0"/>
-              <a:t>FavoritesPage</a:t>
+              <a:rPr lang="en-US" sz="2000" b="1" dirty="0" err="1" smtClean="0"/>
+              <a:t>GenerationPage</a:t>
             </a:r>
             <a:r>
               <a:rPr lang="en-US" sz="2000" dirty="0" smtClean="0"/>
-              <a:t>: </a:t>
+              <a:t>:</a:t>
+            </a:r>
+            <a:r>
+              <a:rPr lang="ru-RU" sz="2000" dirty="0" smtClean="0"/>
+              <a:t> окно «пульт» для генерации логотипа</a:t>
+            </a:r>
+          </a:p>
+          <a:p>
+            <a:pPr algn="just"/>
+            <a:r>
+              <a:rPr lang="ru-RU" sz="2000" dirty="0" smtClean="0"/>
+              <a:t>Функция </a:t>
+            </a:r>
+            <a:r>
+              <a:rPr lang="en-US" sz="2000" b="1" dirty="0" smtClean="0"/>
+              <a:t>picture</a:t>
+            </a:r>
+            <a:r>
+              <a:rPr lang="ru-RU" sz="2000" dirty="0" smtClean="0"/>
+              <a:t> </a:t>
             </a:r>
             <a:r>
               <a:rPr lang="ru-RU" sz="2000" dirty="0" err="1" smtClean="0"/>
-              <a:t>овно</a:t>
+              <a:t>отрисовывает</a:t>
             </a:r>
             <a:r>
               <a:rPr lang="ru-RU" sz="2000" dirty="0" smtClean="0"/>
-              <a:t> с понравившимися пользователю логотипами</a:t>
-            </a:r>
+              <a:t> картинку</a:t>
+            </a:r>
+          </a:p>
+          <a:p>
+            <a:pPr algn="just"/>
+            <a:r>
+              <a:rPr lang="ru-RU" sz="2000" dirty="0"/>
+              <a:t>Функция </a:t>
+            </a:r>
+            <a:r>
+              <a:rPr lang="en-US" sz="2000" b="1" dirty="0" err="1"/>
+              <a:t>show_window</a:t>
+            </a:r>
+            <a:r>
+              <a:rPr lang="ru-RU" sz="2000" dirty="0"/>
+              <a:t> показывает следующее окно при нажатии кнопки</a:t>
+            </a:r>
+          </a:p>
+          <a:p>
+            <a:pPr marL="0" indent="0" algn="just">
+              <a:buNone/>
+            </a:pPr>
+            <a:endParaRPr lang="ru-RU" sz="2000" dirty="0" smtClean="0"/>
+          </a:p>
+          <a:p>
             <a:endParaRPr lang="ru-RU" sz="2000" dirty="0"/>
           </a:p>
         </p:txBody>
       </p:sp>
       <p:pic>
         <p:nvPicPr>
-          <p:cNvPr id="3074" name="Picture 2"/>
+          <p:cNvPr id="5" name="Объект 4"/>
+          <p:cNvPicPr>
+            <a:picLocks noGrp="1" noChangeAspect="1"/>
+          </p:cNvPicPr>
+          <p:nvPr>
+            <p:ph sz="half" idx="1"/>
+          </p:nvPr>
+        </p:nvPicPr>
+        <p:blipFill>
+          <a:blip r:embed="rId2" cstate="print">
+            <a:extLst>
+              <a:ext uri="{28A0092B-C50C-407E-A947-70E740481C1C}">
+                <a14:useLocalDpi xmlns:a14="http://schemas.microsoft.com/office/drawing/2010/main" val="0"/>
+              </a:ext>
+            </a:extLst>
+          </a:blip>
+          <a:stretch>
+            <a:fillRect/>
+          </a:stretch>
+        </p:blipFill>
+        <p:spPr>
+          <a:xfrm>
+            <a:off x="1619672" y="4221088"/>
+            <a:ext cx="5251980" cy="2215200"/>
+          </a:xfrm>
+        </p:spPr>
+      </p:pic>
+    </p:spTree>
+    <p:extLst>
+      <p:ext uri="{BB962C8B-B14F-4D97-AF65-F5344CB8AC3E}">
+        <p14:creationId xmlns:p14="http://schemas.microsoft.com/office/powerpoint/2010/main" val="3698512003"/>
+      </p:ext>
+    </p:extLst>
+  </p:cSld>
+  <p:clrMapOvr>
+    <a:masterClrMapping/>
+  </p:clrMapOvr>
+  <p:transition spd="slow">
+    <p:wipe/>
+  </p:transition>
+  <p:timing>
+    <p:tnLst>
+      <p:par>
+        <p:cTn id="1" dur="indefinite" restart="never" nodeType="tmRoot"/>
+      </p:par>
+    </p:tnLst>
+  </p:timing>
+</p:sld>
+</file>
+
+<file path=ppt/slides/slide7.xml><?xml version="1.0" encoding="utf-8"?>
+<p:sld xmlns:a="http://schemas.openxmlformats.org/drawingml/2006/main" xmlns:r="http://schemas.openxmlformats.org/officeDocument/2006/relationships" xmlns:p="http://schemas.openxmlformats.org/presentationml/2006/main">
+  <p:cSld>
+    <p:spTree>
+      <p:nvGrpSpPr>
+        <p:cNvPr id="1" name=""/>
+        <p:cNvGrpSpPr/>
+        <p:nvPr/>
+      </p:nvGrpSpPr>
+      <p:grpSpPr>
+        <a:xfrm>
+          <a:off x="0" y="0"/>
+          <a:ext cx="0" cy="0"/>
+          <a:chOff x="0" y="0"/>
+          <a:chExt cx="0" cy="0"/>
+        </a:xfrm>
+      </p:grpSpPr>
+      <p:sp>
+        <p:nvSpPr>
+          <p:cNvPr id="2" name="Заголовок 1"/>
+          <p:cNvSpPr>
+            <a:spLocks noGrp="1"/>
+          </p:cNvSpPr>
+          <p:nvPr>
+            <p:ph type="title"/>
+          </p:nvPr>
+        </p:nvSpPr>
+        <p:spPr>
+          <a:xfrm>
+            <a:off x="611560" y="548680"/>
+            <a:ext cx="7886700" cy="1325563"/>
+          </a:xfrm>
+        </p:spPr>
+        <p:txBody>
+          <a:bodyPr/>
+          <a:lstStyle/>
+          <a:p>
+            <a:r>
+              <a:rPr lang="ru-RU" dirty="0">
+                <a:latin typeface="Muller ExtraBold" pitchFamily="2" charset="-52"/>
+              </a:rPr>
+              <a:t>Реализация</a:t>
+            </a:r>
+            <a:endParaRPr lang="ru-RU" dirty="0"/>
+          </a:p>
+        </p:txBody>
+      </p:sp>
+      <p:sp>
+        <p:nvSpPr>
+          <p:cNvPr id="4" name="Объект 3"/>
+          <p:cNvSpPr>
+            <a:spLocks noGrp="1"/>
+          </p:cNvSpPr>
+          <p:nvPr>
+            <p:ph sz="half" idx="2"/>
+          </p:nvPr>
+        </p:nvSpPr>
+        <p:spPr>
+          <a:xfrm>
+            <a:off x="4644008" y="1700808"/>
+            <a:ext cx="3886200" cy="4836195"/>
+          </a:xfrm>
+        </p:spPr>
+        <p:txBody>
+          <a:bodyPr>
+            <a:normAutofit/>
+          </a:bodyPr>
+          <a:lstStyle/>
+          <a:p>
+            <a:pPr marL="0" indent="0">
+              <a:buNone/>
+            </a:pPr>
+            <a:r>
+              <a:rPr lang="ru-RU" sz="2000" dirty="0" smtClean="0"/>
+              <a:t>Класс </a:t>
+            </a:r>
+            <a:r>
+              <a:rPr lang="en-US" sz="2000" b="1" dirty="0" err="1"/>
+              <a:t>ChangeInformation</a:t>
+            </a:r>
+            <a:r>
+              <a:rPr lang="en-US" sz="2000" dirty="0" smtClean="0"/>
+              <a:t>:</a:t>
+            </a:r>
+            <a:r>
+              <a:rPr lang="ru-RU" sz="2000" dirty="0" smtClean="0"/>
+              <a:t> окно редактирования информации</a:t>
+            </a:r>
+          </a:p>
+          <a:p>
+            <a:r>
+              <a:rPr lang="ru-RU" sz="2000" dirty="0" smtClean="0"/>
+              <a:t>Функция </a:t>
+            </a:r>
+            <a:r>
+              <a:rPr lang="en-US" sz="2000" dirty="0" smtClean="0"/>
+              <a:t>information</a:t>
+            </a:r>
+            <a:endParaRPr lang="ru-RU" sz="2000" dirty="0" smtClean="0"/>
+          </a:p>
+          <a:p>
+            <a:r>
+              <a:rPr lang="ru-RU" sz="2000" dirty="0"/>
+              <a:t>Функция </a:t>
+            </a:r>
+            <a:r>
+              <a:rPr lang="en-US" sz="2000" dirty="0" err="1" smtClean="0"/>
+              <a:t>close_event</a:t>
+            </a:r>
+            <a:endParaRPr lang="ru-RU" sz="2000" dirty="0" smtClean="0"/>
+          </a:p>
+          <a:p>
+            <a:r>
+              <a:rPr lang="ru-RU" sz="2000" dirty="0" smtClean="0"/>
+              <a:t>Функция </a:t>
+            </a:r>
+            <a:r>
+              <a:rPr lang="en-US" sz="2000" dirty="0" err="1"/>
+              <a:t>show_window</a:t>
+            </a:r>
+            <a:endParaRPr lang="ru-RU" sz="2000" dirty="0" smtClean="0"/>
+          </a:p>
+          <a:p>
+            <a:r>
+              <a:rPr lang="ru-RU" sz="2000" dirty="0" smtClean="0"/>
+              <a:t>Функция </a:t>
+            </a:r>
+            <a:r>
+              <a:rPr lang="en-US" sz="2000" dirty="0" err="1" smtClean="0"/>
+              <a:t>choose_colo</a:t>
+            </a:r>
+            <a:r>
+              <a:rPr lang="en-US" sz="2000" dirty="0" err="1"/>
+              <a:t>r</a:t>
+            </a:r>
+            <a:endParaRPr lang="ru-RU" sz="2000" dirty="0" smtClean="0"/>
+          </a:p>
+          <a:p>
+            <a:endParaRPr lang="ru-RU" sz="2000" dirty="0" smtClean="0"/>
+          </a:p>
+          <a:p>
+            <a:pPr marL="0" indent="0">
+              <a:buNone/>
+            </a:pPr>
+            <a:endParaRPr lang="ru-RU" sz="2000" dirty="0" smtClean="0"/>
+          </a:p>
+          <a:p>
+            <a:pPr marL="0" indent="0">
+              <a:buNone/>
+            </a:pPr>
+            <a:endParaRPr lang="ru-RU" sz="2000" dirty="0"/>
+          </a:p>
+        </p:txBody>
+      </p:sp>
+      <p:pic>
+        <p:nvPicPr>
+          <p:cNvPr id="5" name="Picture 2"/>
           <p:cNvPicPr>
             <a:picLocks noGrp="1" noChangeAspect="1" noChangeArrowheads="1"/>
           </p:cNvPicPr>
@@ -4127,8 +4626,8 @@
         </p:blipFill>
         <p:spPr bwMode="auto">
           <a:xfrm>
-            <a:off x="628650" y="2571410"/>
-            <a:ext cx="3886200" cy="2859768"/>
+            <a:off x="539552" y="2492896"/>
+            <a:ext cx="3886200" cy="2818746"/>
           </a:xfrm>
           <a:prstGeom prst="rect">
             <a:avLst/>
@@ -4171,13 +4670,504 @@
     </p:spTree>
     <p:extLst>
       <p:ext uri="{BB962C8B-B14F-4D97-AF65-F5344CB8AC3E}">
-        <p14:creationId xmlns:p14="http://schemas.microsoft.com/office/powerpoint/2010/main" val="3698512003"/>
+        <p14:creationId xmlns:p14="http://schemas.microsoft.com/office/powerpoint/2010/main" val="441746447"/>
       </p:ext>
     </p:extLst>
   </p:cSld>
   <p:clrMapOvr>
     <a:masterClrMapping/>
   </p:clrMapOvr>
+  <p:transition spd="slow">
+    <p:wipe/>
+  </p:transition>
+  <p:timing>
+    <p:tnLst>
+      <p:par>
+        <p:cTn id="1" dur="indefinite" restart="never" nodeType="tmRoot"/>
+      </p:par>
+    </p:tnLst>
+  </p:timing>
+</p:sld>
+</file>
+
+<file path=ppt/slides/slide8.xml><?xml version="1.0" encoding="utf-8"?>
+<p:sld xmlns:a="http://schemas.openxmlformats.org/drawingml/2006/main" xmlns:r="http://schemas.openxmlformats.org/officeDocument/2006/relationships" xmlns:p="http://schemas.openxmlformats.org/presentationml/2006/main">
+  <p:cSld>
+    <p:spTree>
+      <p:nvGrpSpPr>
+        <p:cNvPr id="1" name=""/>
+        <p:cNvGrpSpPr/>
+        <p:nvPr/>
+      </p:nvGrpSpPr>
+      <p:grpSpPr>
+        <a:xfrm>
+          <a:off x="0" y="0"/>
+          <a:ext cx="0" cy="0"/>
+          <a:chOff x="0" y="0"/>
+          <a:chExt cx="0" cy="0"/>
+        </a:xfrm>
+      </p:grpSpPr>
+      <p:sp>
+        <p:nvSpPr>
+          <p:cNvPr id="2" name="Заголовок 1"/>
+          <p:cNvSpPr>
+            <a:spLocks noGrp="1"/>
+          </p:cNvSpPr>
+          <p:nvPr>
+            <p:ph type="title"/>
+          </p:nvPr>
+        </p:nvSpPr>
+        <p:spPr>
+          <a:xfrm>
+            <a:off x="611560" y="548680"/>
+            <a:ext cx="7886700" cy="1325563"/>
+          </a:xfrm>
+        </p:spPr>
+        <p:txBody>
+          <a:bodyPr/>
+          <a:lstStyle/>
+          <a:p>
+            <a:r>
+              <a:rPr lang="ru-RU" dirty="0">
+                <a:latin typeface="Muller ExtraBold" pitchFamily="2" charset="-52"/>
+              </a:rPr>
+              <a:t>Реализация</a:t>
+            </a:r>
+            <a:endParaRPr lang="ru-RU" dirty="0"/>
+          </a:p>
+        </p:txBody>
+      </p:sp>
+      <p:sp>
+        <p:nvSpPr>
+          <p:cNvPr id="4" name="Объект 3"/>
+          <p:cNvSpPr>
+            <a:spLocks noGrp="1"/>
+          </p:cNvSpPr>
+          <p:nvPr>
+            <p:ph sz="half" idx="2"/>
+          </p:nvPr>
+        </p:nvSpPr>
+        <p:spPr>
+          <a:xfrm>
+            <a:off x="4644008" y="1700808"/>
+            <a:ext cx="3886200" cy="4836195"/>
+          </a:xfrm>
+        </p:spPr>
+        <p:txBody>
+          <a:bodyPr>
+            <a:normAutofit/>
+          </a:bodyPr>
+          <a:lstStyle/>
+          <a:p>
+            <a:pPr marL="0" indent="0">
+              <a:buNone/>
+            </a:pPr>
+            <a:r>
+              <a:rPr lang="ru-RU" sz="2000" dirty="0" smtClean="0"/>
+              <a:t>Класс </a:t>
+            </a:r>
+            <a:r>
+              <a:rPr lang="en-US" sz="2000" b="1" dirty="0" err="1"/>
+              <a:t>ChangeInformation</a:t>
+            </a:r>
+            <a:r>
+              <a:rPr lang="en-US" sz="2000" dirty="0" smtClean="0"/>
+              <a:t>:</a:t>
+            </a:r>
+            <a:r>
+              <a:rPr lang="ru-RU" sz="2000" dirty="0" smtClean="0"/>
+              <a:t> окно редактирования информации</a:t>
+            </a:r>
+          </a:p>
+          <a:p>
+            <a:r>
+              <a:rPr lang="ru-RU" sz="2000" dirty="0" smtClean="0"/>
+              <a:t>Функция </a:t>
+            </a:r>
+            <a:r>
+              <a:rPr lang="en-US" sz="2000" b="1" dirty="0" smtClean="0"/>
+              <a:t>information</a:t>
+            </a:r>
+            <a:r>
+              <a:rPr lang="ru-RU" sz="2000" b="1" dirty="0" smtClean="0"/>
+              <a:t> </a:t>
+            </a:r>
+            <a:r>
+              <a:rPr lang="ru-RU" sz="2000" dirty="0" smtClean="0"/>
+              <a:t>достает информацию о бренде из базы данных, а после записывает изменения</a:t>
+            </a:r>
+            <a:endParaRPr lang="ru-RU" sz="2000" b="1" dirty="0" smtClean="0"/>
+          </a:p>
+          <a:p>
+            <a:r>
+              <a:rPr lang="ru-RU" sz="2000" dirty="0"/>
+              <a:t>Функция </a:t>
+            </a:r>
+            <a:r>
+              <a:rPr lang="en-US" sz="2000" b="1" dirty="0" err="1" smtClean="0"/>
+              <a:t>close_event</a:t>
+            </a:r>
+            <a:r>
+              <a:rPr lang="ru-RU" sz="2000" dirty="0" smtClean="0"/>
+              <a:t> подтверждение изменений</a:t>
+            </a:r>
+          </a:p>
+          <a:p>
+            <a:r>
+              <a:rPr lang="ru-RU" sz="2000" dirty="0" smtClean="0"/>
+              <a:t>Функция </a:t>
+            </a:r>
+            <a:r>
+              <a:rPr lang="en-US" sz="2000" b="1" dirty="0" err="1" smtClean="0"/>
+              <a:t>show_window</a:t>
+            </a:r>
+            <a:r>
+              <a:rPr lang="ru-RU" sz="2000" dirty="0" smtClean="0"/>
+              <a:t> показ следующего окна</a:t>
+            </a:r>
+          </a:p>
+          <a:p>
+            <a:r>
+              <a:rPr lang="ru-RU" sz="2000" dirty="0" smtClean="0"/>
+              <a:t>Функция </a:t>
+            </a:r>
+            <a:r>
+              <a:rPr lang="en-US" sz="2000" b="1" dirty="0" err="1" smtClean="0"/>
+              <a:t>choose_color</a:t>
+            </a:r>
+            <a:r>
+              <a:rPr lang="ru-RU" sz="2000" dirty="0" smtClean="0"/>
+              <a:t> выбор новых цветов</a:t>
+            </a:r>
+          </a:p>
+          <a:p>
+            <a:endParaRPr lang="ru-RU" sz="2000" dirty="0" smtClean="0"/>
+          </a:p>
+          <a:p>
+            <a:pPr marL="0" indent="0">
+              <a:buNone/>
+            </a:pPr>
+            <a:endParaRPr lang="ru-RU" sz="2000" dirty="0" smtClean="0"/>
+          </a:p>
+          <a:p>
+            <a:pPr marL="0" indent="0">
+              <a:buNone/>
+            </a:pPr>
+            <a:endParaRPr lang="ru-RU" sz="2000" dirty="0"/>
+          </a:p>
+        </p:txBody>
+      </p:sp>
+      <p:pic>
+        <p:nvPicPr>
+          <p:cNvPr id="5" name="Picture 2"/>
+          <p:cNvPicPr>
+            <a:picLocks noGrp="1" noChangeAspect="1" noChangeArrowheads="1"/>
+          </p:cNvPicPr>
+          <p:nvPr>
+            <p:ph sz="half" idx="1"/>
+          </p:nvPr>
+        </p:nvPicPr>
+        <p:blipFill>
+          <a:blip r:embed="rId2">
+            <a:extLst>
+              <a:ext uri="{28A0092B-C50C-407E-A947-70E740481C1C}">
+                <a14:useLocalDpi xmlns:a14="http://schemas.microsoft.com/office/drawing/2010/main" val="0"/>
+              </a:ext>
+            </a:extLst>
+          </a:blip>
+          <a:srcRect/>
+          <a:stretch>
+            <a:fillRect/>
+          </a:stretch>
+        </p:blipFill>
+        <p:spPr bwMode="auto">
+          <a:xfrm>
+            <a:off x="539552" y="2492896"/>
+            <a:ext cx="3886200" cy="2818746"/>
+          </a:xfrm>
+          <a:prstGeom prst="rect">
+            <a:avLst/>
+          </a:prstGeom>
+          <a:noFill/>
+          <a:ln>
+            <a:noFill/>
+          </a:ln>
+          <a:effectLst/>
+          <a:extLst>
+            <a:ext uri="{909E8E84-426E-40DD-AFC4-6F175D3DCCD1}">
+              <a14:hiddenFill xmlns:a14="http://schemas.microsoft.com/office/drawing/2010/main">
+                <a:solidFill>
+                  <a:schemeClr val="accent1"/>
+                </a:solidFill>
+              </a14:hiddenFill>
+            </a:ext>
+            <a:ext uri="{91240B29-F687-4F45-9708-019B960494DF}">
+              <a14:hiddenLine xmlns:a14="http://schemas.microsoft.com/office/drawing/2010/main" w="9525">
+                <a:solidFill>
+                  <a:schemeClr val="tx1"/>
+                </a:solidFill>
+                <a:miter lim="800000"/>
+                <a:headEnd/>
+                <a:tailEnd/>
+              </a14:hiddenLine>
+            </a:ext>
+            <a:ext uri="{AF507438-7753-43E0-B8FC-AC1667EBCBE1}">
+              <a14:hiddenEffects xmlns:a14="http://schemas.microsoft.com/office/drawing/2010/main">
+                <a:effectLst>
+                  <a:outerShdw dist="35921" dir="2700000" algn="ctr" rotWithShape="0">
+                    <a:schemeClr val="bg2"/>
+                  </a:outerShdw>
+                </a:effectLst>
+              </a14:hiddenEffects>
+            </a:ext>
+          </a:extLst>
+        </p:spPr>
+      </p:pic>
+    </p:spTree>
+    <p:extLst>
+      <p:ext uri="{BB962C8B-B14F-4D97-AF65-F5344CB8AC3E}">
+        <p14:creationId xmlns:p14="http://schemas.microsoft.com/office/powerpoint/2010/main" val="53005291"/>
+      </p:ext>
+    </p:extLst>
+  </p:cSld>
+  <p:clrMapOvr>
+    <a:masterClrMapping/>
+  </p:clrMapOvr>
+  <p:transition spd="slow">
+    <p:wipe/>
+  </p:transition>
+  <p:timing>
+    <p:tnLst>
+      <p:par>
+        <p:cTn id="1" dur="indefinite" restart="never" nodeType="tmRoot"/>
+      </p:par>
+    </p:tnLst>
+  </p:timing>
+</p:sld>
+</file>
+
+<file path=ppt/slides/slide9.xml><?xml version="1.0" encoding="utf-8"?>
+<p:sld xmlns:a="http://schemas.openxmlformats.org/drawingml/2006/main" xmlns:r="http://schemas.openxmlformats.org/officeDocument/2006/relationships" xmlns:p="http://schemas.openxmlformats.org/presentationml/2006/main">
+  <p:cSld>
+    <p:spTree>
+      <p:nvGrpSpPr>
+        <p:cNvPr id="1" name=""/>
+        <p:cNvGrpSpPr/>
+        <p:nvPr/>
+      </p:nvGrpSpPr>
+      <p:grpSpPr>
+        <a:xfrm>
+          <a:off x="0" y="0"/>
+          <a:ext cx="0" cy="0"/>
+          <a:chOff x="0" y="0"/>
+          <a:chExt cx="0" cy="0"/>
+        </a:xfrm>
+      </p:grpSpPr>
+      <p:sp>
+        <p:nvSpPr>
+          <p:cNvPr id="2" name="Заголовок 1"/>
+          <p:cNvSpPr>
+            <a:spLocks noGrp="1"/>
+          </p:cNvSpPr>
+          <p:nvPr>
+            <p:ph type="title"/>
+          </p:nvPr>
+        </p:nvSpPr>
+        <p:spPr>
+          <a:xfrm>
+            <a:off x="611560" y="548680"/>
+            <a:ext cx="7886700" cy="1325563"/>
+          </a:xfrm>
+        </p:spPr>
+        <p:txBody>
+          <a:bodyPr/>
+          <a:lstStyle/>
+          <a:p>
+            <a:r>
+              <a:rPr lang="ru-RU" dirty="0">
+                <a:latin typeface="Muller ExtraBold" pitchFamily="2" charset="-52"/>
+              </a:rPr>
+              <a:t>Реализация</a:t>
+            </a:r>
+            <a:endParaRPr lang="ru-RU" dirty="0"/>
+          </a:p>
+        </p:txBody>
+      </p:sp>
+      <p:sp>
+        <p:nvSpPr>
+          <p:cNvPr id="4" name="Объект 3"/>
+          <p:cNvSpPr>
+            <a:spLocks noGrp="1"/>
+          </p:cNvSpPr>
+          <p:nvPr>
+            <p:ph sz="half" idx="2"/>
+          </p:nvPr>
+        </p:nvSpPr>
+        <p:spPr>
+          <a:xfrm>
+            <a:off x="4644008" y="1700808"/>
+            <a:ext cx="3886200" cy="4836195"/>
+          </a:xfrm>
+        </p:spPr>
+        <p:txBody>
+          <a:bodyPr>
+            <a:normAutofit/>
+          </a:bodyPr>
+          <a:lstStyle/>
+          <a:p>
+            <a:pPr marL="0" indent="0">
+              <a:buNone/>
+            </a:pPr>
+            <a:r>
+              <a:rPr lang="ru-RU" sz="2000" dirty="0"/>
+              <a:t>Класс </a:t>
+            </a:r>
+            <a:r>
+              <a:rPr lang="en-US" sz="2000" b="1" dirty="0" smtClean="0"/>
+              <a:t>Example</a:t>
+            </a:r>
+            <a:r>
+              <a:rPr lang="en-US" sz="2000" dirty="0" smtClean="0"/>
+              <a:t>:</a:t>
+            </a:r>
+            <a:r>
+              <a:rPr lang="ru-RU" sz="2000" dirty="0" smtClean="0"/>
+              <a:t> </a:t>
+            </a:r>
+            <a:r>
+              <a:rPr lang="ru-RU" sz="2000" dirty="0"/>
+              <a:t>окно редактирования информации</a:t>
+            </a:r>
+          </a:p>
+          <a:p>
+            <a:r>
+              <a:rPr lang="ru-RU" sz="2000" dirty="0"/>
+              <a:t>Функция </a:t>
+            </a:r>
+            <a:r>
+              <a:rPr lang="en-US" sz="2000" b="1" dirty="0" err="1" smtClean="0"/>
+              <a:t>paintEvent</a:t>
+            </a:r>
+            <a:r>
+              <a:rPr lang="en-US" sz="2000" dirty="0" smtClean="0"/>
+              <a:t> </a:t>
+            </a:r>
+            <a:r>
+              <a:rPr lang="ru-RU" sz="2000" dirty="0" smtClean="0"/>
+              <a:t>создание «события»</a:t>
+            </a:r>
+            <a:endParaRPr lang="en-US" sz="2000" dirty="0" smtClean="0"/>
+          </a:p>
+          <a:p>
+            <a:r>
+              <a:rPr lang="ru-RU" sz="2000" dirty="0" smtClean="0"/>
+              <a:t>Функция </a:t>
+            </a:r>
+            <a:r>
+              <a:rPr lang="en-US" sz="2000" b="1" dirty="0" err="1" smtClean="0"/>
+              <a:t>drawText</a:t>
+            </a:r>
+            <a:r>
+              <a:rPr lang="ru-RU" sz="2000" dirty="0" smtClean="0"/>
+              <a:t> </a:t>
+            </a:r>
+            <a:r>
+              <a:rPr lang="ru-RU" sz="2000" dirty="0" err="1" smtClean="0"/>
+              <a:t>отрисовка</a:t>
+            </a:r>
+            <a:r>
+              <a:rPr lang="ru-RU" sz="2000" dirty="0" smtClean="0"/>
+              <a:t> текста</a:t>
+            </a:r>
+          </a:p>
+        </p:txBody>
+      </p:sp>
+      <p:pic>
+        <p:nvPicPr>
+          <p:cNvPr id="3075" name="Picture 3"/>
+          <p:cNvPicPr>
+            <a:picLocks noGrp="1" noChangeAspect="1" noChangeArrowheads="1"/>
+          </p:cNvPicPr>
+          <p:nvPr>
+            <p:ph sz="half" idx="1"/>
+          </p:nvPr>
+        </p:nvPicPr>
+        <p:blipFill>
+          <a:blip r:embed="rId2">
+            <a:extLst>
+              <a:ext uri="{28A0092B-C50C-407E-A947-70E740481C1C}">
+                <a14:useLocalDpi xmlns:a14="http://schemas.microsoft.com/office/drawing/2010/main" val="0"/>
+              </a:ext>
+            </a:extLst>
+          </a:blip>
+          <a:srcRect/>
+          <a:stretch>
+            <a:fillRect/>
+          </a:stretch>
+        </p:blipFill>
+        <p:spPr bwMode="auto">
+          <a:xfrm>
+            <a:off x="611560" y="2276872"/>
+            <a:ext cx="3780076" cy="2808311"/>
+          </a:xfrm>
+          <a:prstGeom prst="rect">
+            <a:avLst/>
+          </a:prstGeom>
+          <a:noFill/>
+          <a:ln>
+            <a:noFill/>
+          </a:ln>
+          <a:effectLst/>
+          <a:extLst>
+            <a:ext uri="{909E8E84-426E-40DD-AFC4-6F175D3DCCD1}">
+              <a14:hiddenFill xmlns:a14="http://schemas.microsoft.com/office/drawing/2010/main">
+                <a:solidFill>
+                  <a:schemeClr val="accent1"/>
+                </a:solidFill>
+              </a14:hiddenFill>
+            </a:ext>
+            <a:ext uri="{91240B29-F687-4F45-9708-019B960494DF}">
+              <a14:hiddenLine xmlns:a14="http://schemas.microsoft.com/office/drawing/2010/main" w="9525">
+                <a:solidFill>
+                  <a:schemeClr val="tx1"/>
+                </a:solidFill>
+                <a:miter lim="800000"/>
+                <a:headEnd/>
+                <a:tailEnd/>
+              </a14:hiddenLine>
+            </a:ext>
+            <a:ext uri="{AF507438-7753-43E0-B8FC-AC1667EBCBE1}">
+              <a14:hiddenEffects xmlns:a14="http://schemas.microsoft.com/office/drawing/2010/main">
+                <a:effectLst>
+                  <a:outerShdw dist="35921" dir="2700000" algn="ctr" rotWithShape="0">
+                    <a:schemeClr val="bg2"/>
+                  </a:outerShdw>
+                </a:effectLst>
+              </a14:hiddenEffects>
+            </a:ext>
+          </a:extLst>
+        </p:spPr>
+      </p:pic>
+    </p:spTree>
+    <p:extLst>
+      <p:ext uri="{BB962C8B-B14F-4D97-AF65-F5344CB8AC3E}">
+        <p14:creationId xmlns:p14="http://schemas.microsoft.com/office/powerpoint/2010/main" val="3067972638"/>
+      </p:ext>
+    </p:extLst>
+  </p:cSld>
+  <p:clrMapOvr>
+    <a:masterClrMapping/>
+  </p:clrMapOvr>
+  <p:transition spd="slow">
+    <p:wipe/>
+  </p:transition>
+  <p:timing>
+    <p:tnLst>
+      <p:par>
+        <p:cTn id="1" dur="indefinite" restart="never" nodeType="tmRoot"/>
+      </p:par>
+    </p:tnLst>
+  </p:timing>
 </p:sld>
 </file>
 
@@ -4436,7 +5426,7 @@
   <a:extraClrSchemeLst/>
   <a:extLst>
     <a:ext uri="{05A4C25C-085E-4340-85A3-A5531E510DB2}">
-      <thm15:themeFamily xmlns="" xmlns:thm15="http://schemas.microsoft.com/office/thememl/2012/main" name="Office Theme" id="{62F939B6-93AF-4DB8-9C6B-D6C7DFDC589F}" vid="{4A3C46E8-61CC-4603-A589-7422A47A8E4A}"/>
+      <thm15:themeFamily xmlns:thm15="http://schemas.microsoft.com/office/thememl/2012/main" xmlns="" name="Office Theme" id="{62F939B6-93AF-4DB8-9C6B-D6C7DFDC589F}" vid="{4A3C46E8-61CC-4603-A589-7422A47A8E4A}"/>
     </a:ext>
   </a:extLst>
 </a:theme>
